--- a/Powerpoint/Module03-ScriptAndManifestModules.pptx
+++ b/Powerpoint/Module03-ScriptAndManifestModules.pptx
@@ -111,6 +111,22 @@
       </a:defRPr>
     </a:lvl9pPr>
   </p:defaultTextStyle>
+  <p:extLst>
+    <p:ext uri="{EFAFB233-063F-42B5-8137-9DF3F51BA10A}">
+      <p15:sldGuideLst xmlns:p15="http://schemas.microsoft.com/office/powerpoint/2012/main">
+        <p15:guide id="1" orient="horz" pos="2160">
+          <p15:clr>
+            <a:srgbClr val="A4A3A4"/>
+          </p15:clr>
+        </p15:guide>
+        <p15:guide id="2" pos="2880">
+          <p15:clr>
+            <a:srgbClr val="A4A3A4"/>
+          </p15:clr>
+        </p15:guide>
+      </p15:sldGuideLst>
+    </p:ext>
+  </p:extLst>
 </p:presentation>
 </file>
 
@@ -158,7 +174,7 @@
           </a:lstStyle>
           <a:p>
             <a:r>
-              <a:rPr lang="en-US" smtClean="0"/>
+              <a:rPr lang="en-US"/>
               <a:t>Click to edit Master title style</a:t>
             </a:r>
             <a:endParaRPr lang="en-US" dirty="0"/>
@@ -278,7 +294,7 @@
           </a:lstStyle>
           <a:p>
             <a:r>
-              <a:rPr lang="en-US" smtClean="0"/>
+              <a:rPr lang="en-US"/>
               <a:t>Click to edit Master subtitle style</a:t>
             </a:r>
             <a:endParaRPr lang="en-US" dirty="0"/>
@@ -391,10 +407,9 @@
           <a:lstStyle/>
           <a:p>
             <a:r>
-              <a:rPr lang="en-US" smtClean="0"/>
+              <a:rPr lang="en-US"/>
               <a:t>Click to edit Master title style</a:t>
             </a:r>
-            <a:endParaRPr lang="en-US"/>
           </a:p>
         </p:txBody>
       </p:sp>
@@ -415,38 +430,37 @@
           <a:p>
             <a:pPr lvl="0"/>
             <a:r>
-              <a:rPr lang="en-US" smtClean="0"/>
+              <a:rPr lang="en-US"/>
               <a:t>Click to edit Master text styles</a:t>
             </a:r>
           </a:p>
           <a:p>
             <a:pPr lvl="1"/>
             <a:r>
-              <a:rPr lang="en-US" smtClean="0"/>
+              <a:rPr lang="en-US"/>
               <a:t>Second level</a:t>
             </a:r>
           </a:p>
           <a:p>
             <a:pPr lvl="2"/>
             <a:r>
-              <a:rPr lang="en-US" smtClean="0"/>
+              <a:rPr lang="en-US"/>
               <a:t>Third level</a:t>
             </a:r>
           </a:p>
           <a:p>
             <a:pPr lvl="3"/>
             <a:r>
-              <a:rPr lang="en-US" smtClean="0"/>
+              <a:rPr lang="en-US"/>
               <a:t>Fourth level</a:t>
             </a:r>
           </a:p>
           <a:p>
             <a:pPr lvl="4"/>
             <a:r>
-              <a:rPr lang="en-US" smtClean="0"/>
+              <a:rPr lang="en-US"/>
               <a:t>Fifth level</a:t>
             </a:r>
-            <a:endParaRPr lang="en-US"/>
           </a:p>
         </p:txBody>
       </p:sp>
@@ -484,10 +498,9 @@
           </a:lstStyle>
           <a:p>
             <a:r>
-              <a:rPr lang="en-US" dirty="0" smtClean="0"/>
+              <a:rPr lang="en-US" dirty="0"/>
               <a:t>©Concentrated Technology</a:t>
             </a:r>
-            <a:endParaRPr lang="en-US" dirty="0"/>
           </a:p>
         </p:txBody>
       </p:sp>
@@ -548,7 +561,7 @@
           </a:lstStyle>
           <a:p>
             <a:r>
-              <a:rPr lang="en-US" smtClean="0"/>
+              <a:rPr lang="en-US"/>
               <a:t>Click to edit Master title style</a:t>
             </a:r>
             <a:endParaRPr lang="en-US" dirty="0"/>
@@ -668,7 +681,7 @@
           <a:p>
             <a:pPr lvl="0"/>
             <a:r>
-              <a:rPr lang="en-US" smtClean="0"/>
+              <a:rPr lang="en-US"/>
               <a:t>Click to edit Master text styles</a:t>
             </a:r>
           </a:p>
@@ -743,10 +756,9 @@
           </a:lstStyle>
           <a:p>
             <a:r>
-              <a:rPr lang="en-US" dirty="0" smtClean="0"/>
+              <a:rPr lang="en-US" dirty="0"/>
               <a:t>©Concentrated Technology</a:t>
             </a:r>
-            <a:endParaRPr lang="en-US" dirty="0"/>
           </a:p>
         </p:txBody>
       </p:sp>
@@ -791,10 +803,9 @@
           <a:lstStyle/>
           <a:p>
             <a:r>
-              <a:rPr lang="en-US" smtClean="0"/>
+              <a:rPr lang="en-US"/>
               <a:t>Click to edit Master title style</a:t>
             </a:r>
-            <a:endParaRPr lang="en-US"/>
           </a:p>
         </p:txBody>
       </p:sp>
@@ -848,35 +859,35 @@
           <a:p>
             <a:pPr lvl="0"/>
             <a:r>
-              <a:rPr lang="en-US" smtClean="0"/>
+              <a:rPr lang="en-US"/>
               <a:t>Click to edit Master text styles</a:t>
             </a:r>
           </a:p>
           <a:p>
             <a:pPr lvl="1"/>
             <a:r>
-              <a:rPr lang="en-US" smtClean="0"/>
+              <a:rPr lang="en-US"/>
               <a:t>Second level</a:t>
             </a:r>
           </a:p>
           <a:p>
             <a:pPr lvl="2"/>
             <a:r>
-              <a:rPr lang="en-US" smtClean="0"/>
+              <a:rPr lang="en-US"/>
               <a:t>Third level</a:t>
             </a:r>
           </a:p>
           <a:p>
             <a:pPr lvl="3"/>
             <a:r>
-              <a:rPr lang="en-US" smtClean="0"/>
+              <a:rPr lang="en-US"/>
               <a:t>Fourth level</a:t>
             </a:r>
           </a:p>
           <a:p>
             <a:pPr lvl="4"/>
             <a:r>
-              <a:rPr lang="en-US" smtClean="0"/>
+              <a:rPr lang="en-US"/>
               <a:t>Fifth level</a:t>
             </a:r>
             <a:endParaRPr lang="en-US" dirty="0"/>
@@ -933,35 +944,35 @@
           <a:p>
             <a:pPr lvl="0"/>
             <a:r>
-              <a:rPr lang="en-US" smtClean="0"/>
+              <a:rPr lang="en-US"/>
               <a:t>Click to edit Master text styles</a:t>
             </a:r>
           </a:p>
           <a:p>
             <a:pPr lvl="1"/>
             <a:r>
-              <a:rPr lang="en-US" smtClean="0"/>
+              <a:rPr lang="en-US"/>
               <a:t>Second level</a:t>
             </a:r>
           </a:p>
           <a:p>
             <a:pPr lvl="2"/>
             <a:r>
-              <a:rPr lang="en-US" smtClean="0"/>
+              <a:rPr lang="en-US"/>
               <a:t>Third level</a:t>
             </a:r>
           </a:p>
           <a:p>
             <a:pPr lvl="3"/>
             <a:r>
-              <a:rPr lang="en-US" smtClean="0"/>
+              <a:rPr lang="en-US"/>
               <a:t>Fourth level</a:t>
             </a:r>
           </a:p>
           <a:p>
             <a:pPr lvl="4"/>
             <a:r>
-              <a:rPr lang="en-US" smtClean="0"/>
+              <a:rPr lang="en-US"/>
               <a:t>Fifth level</a:t>
             </a:r>
             <a:endParaRPr lang="en-US" dirty="0"/>
@@ -1002,10 +1013,9 @@
           </a:lstStyle>
           <a:p>
             <a:r>
-              <a:rPr lang="en-US" dirty="0" smtClean="0"/>
+              <a:rPr lang="en-US" dirty="0"/>
               <a:t>©Concentrated Technology</a:t>
             </a:r>
-            <a:endParaRPr lang="en-US" dirty="0"/>
           </a:p>
         </p:txBody>
       </p:sp>
@@ -1054,7 +1064,7 @@
           </a:lstStyle>
           <a:p>
             <a:r>
-              <a:rPr lang="en-US" smtClean="0"/>
+              <a:rPr lang="en-US"/>
               <a:t>Click to edit Master title style</a:t>
             </a:r>
             <a:endParaRPr lang="en-US" dirty="0"/>
@@ -1143,7 +1153,7 @@
           <a:p>
             <a:pPr lvl="0"/>
             <a:r>
-              <a:rPr lang="en-US" smtClean="0"/>
+              <a:rPr lang="en-US"/>
               <a:t>Click to edit Master text styles</a:t>
             </a:r>
           </a:p>
@@ -1199,35 +1209,35 @@
           <a:p>
             <a:pPr lvl="0"/>
             <a:r>
-              <a:rPr lang="en-US" smtClean="0"/>
+              <a:rPr lang="en-US"/>
               <a:t>Click to edit Master text styles</a:t>
             </a:r>
           </a:p>
           <a:p>
             <a:pPr lvl="1"/>
             <a:r>
-              <a:rPr lang="en-US" smtClean="0"/>
+              <a:rPr lang="en-US"/>
               <a:t>Second level</a:t>
             </a:r>
           </a:p>
           <a:p>
             <a:pPr lvl="2"/>
             <a:r>
-              <a:rPr lang="en-US" smtClean="0"/>
+              <a:rPr lang="en-US"/>
               <a:t>Third level</a:t>
             </a:r>
           </a:p>
           <a:p>
             <a:pPr lvl="3"/>
             <a:r>
-              <a:rPr lang="en-US" smtClean="0"/>
+              <a:rPr lang="en-US"/>
               <a:t>Fourth level</a:t>
             </a:r>
           </a:p>
           <a:p>
             <a:pPr lvl="4"/>
             <a:r>
-              <a:rPr lang="en-US" smtClean="0"/>
+              <a:rPr lang="en-US"/>
               <a:t>Fifth level</a:t>
             </a:r>
             <a:endParaRPr lang="en-US" dirty="0"/>
@@ -1319,7 +1329,7 @@
           <a:p>
             <a:pPr lvl="0"/>
             <a:r>
-              <a:rPr lang="en-US" smtClean="0"/>
+              <a:rPr lang="en-US"/>
               <a:t>Click to edit Master text styles</a:t>
             </a:r>
           </a:p>
@@ -1375,35 +1385,35 @@
           <a:p>
             <a:pPr lvl="0"/>
             <a:r>
-              <a:rPr lang="en-US" smtClean="0"/>
+              <a:rPr lang="en-US"/>
               <a:t>Click to edit Master text styles</a:t>
             </a:r>
           </a:p>
           <a:p>
             <a:pPr lvl="1"/>
             <a:r>
-              <a:rPr lang="en-US" smtClean="0"/>
+              <a:rPr lang="en-US"/>
               <a:t>Second level</a:t>
             </a:r>
           </a:p>
           <a:p>
             <a:pPr lvl="2"/>
             <a:r>
-              <a:rPr lang="en-US" smtClean="0"/>
+              <a:rPr lang="en-US"/>
               <a:t>Third level</a:t>
             </a:r>
           </a:p>
           <a:p>
             <a:pPr lvl="3"/>
             <a:r>
-              <a:rPr lang="en-US" smtClean="0"/>
+              <a:rPr lang="en-US"/>
               <a:t>Fourth level</a:t>
             </a:r>
           </a:p>
           <a:p>
             <a:pPr lvl="4"/>
             <a:r>
-              <a:rPr lang="en-US" smtClean="0"/>
+              <a:rPr lang="en-US"/>
               <a:t>Fifth level</a:t>
             </a:r>
             <a:endParaRPr lang="en-US" dirty="0"/>
@@ -1479,10 +1489,9 @@
           </a:lstStyle>
           <a:p>
             <a:r>
-              <a:rPr lang="en-US" dirty="0" smtClean="0"/>
+              <a:rPr lang="en-US" dirty="0"/>
               <a:t>©Concentrated Technology</a:t>
             </a:r>
-            <a:endParaRPr lang="en-US" dirty="0"/>
           </a:p>
         </p:txBody>
       </p:sp>
@@ -1527,10 +1536,9 @@
           <a:lstStyle/>
           <a:p>
             <a:r>
-              <a:rPr lang="en-US" smtClean="0"/>
+              <a:rPr lang="en-US"/>
               <a:t>Click to edit Master title style</a:t>
             </a:r>
-            <a:endParaRPr lang="en-US"/>
           </a:p>
         </p:txBody>
       </p:sp>
@@ -1568,10 +1576,9 @@
           </a:lstStyle>
           <a:p>
             <a:r>
-              <a:rPr lang="en-US" dirty="0" smtClean="0"/>
+              <a:rPr lang="en-US" dirty="0"/>
               <a:t>©Concentrated Technology</a:t>
             </a:r>
-            <a:endParaRPr lang="en-US" dirty="0"/>
           </a:p>
         </p:txBody>
       </p:sp>
@@ -1652,7 +1659,7 @@
           </a:lstStyle>
           <a:p>
             <a:r>
-              <a:rPr lang="en-US" smtClean="0"/>
+              <a:rPr lang="en-US"/>
               <a:t>Click to edit Master title style</a:t>
             </a:r>
             <a:endParaRPr lang="en-US" dirty="0"/>
@@ -1709,35 +1716,35 @@
           <a:p>
             <a:pPr lvl="0"/>
             <a:r>
-              <a:rPr lang="en-US" smtClean="0"/>
+              <a:rPr lang="en-US"/>
               <a:t>Click to edit Master text styles</a:t>
             </a:r>
           </a:p>
           <a:p>
             <a:pPr lvl="1"/>
             <a:r>
-              <a:rPr lang="en-US" smtClean="0"/>
+              <a:rPr lang="en-US"/>
               <a:t>Second level</a:t>
             </a:r>
           </a:p>
           <a:p>
             <a:pPr lvl="2"/>
             <a:r>
-              <a:rPr lang="en-US" smtClean="0"/>
+              <a:rPr lang="en-US"/>
               <a:t>Third level</a:t>
             </a:r>
           </a:p>
           <a:p>
             <a:pPr lvl="3"/>
             <a:r>
-              <a:rPr lang="en-US" smtClean="0"/>
+              <a:rPr lang="en-US"/>
               <a:t>Fourth level</a:t>
             </a:r>
           </a:p>
           <a:p>
             <a:pPr lvl="4"/>
             <a:r>
-              <a:rPr lang="en-US" smtClean="0"/>
+              <a:rPr lang="en-US"/>
               <a:t>Fifth level</a:t>
             </a:r>
             <a:endParaRPr lang="en-US" dirty="0"/>
@@ -1803,7 +1810,7 @@
           <a:p>
             <a:pPr lvl="0"/>
             <a:r>
-              <a:rPr lang="en-US" smtClean="0"/>
+              <a:rPr lang="en-US"/>
               <a:t>Click to edit Master text styles</a:t>
             </a:r>
           </a:p>
@@ -1878,10 +1885,9 @@
           </a:lstStyle>
           <a:p>
             <a:r>
-              <a:rPr lang="en-US" dirty="0" smtClean="0"/>
+              <a:rPr lang="en-US" dirty="0"/>
               <a:t>©Concentrated Technology</a:t>
             </a:r>
-            <a:endParaRPr lang="en-US" dirty="0"/>
           </a:p>
         </p:txBody>
       </p:sp>
@@ -1937,7 +1943,7 @@
           </a:lstStyle>
           <a:p>
             <a:r>
-              <a:rPr lang="en-US" smtClean="0"/>
+              <a:rPr lang="en-US"/>
               <a:t>Click to edit Master title style</a:t>
             </a:r>
             <a:endParaRPr lang="en-US" dirty="0"/>
@@ -2018,7 +2024,7 @@
           </a:lstStyle>
           <a:p>
             <a:r>
-              <a:rPr lang="en-US" smtClean="0"/>
+              <a:rPr lang="en-US"/>
               <a:t>Drag picture to placeholder or click icon to add</a:t>
             </a:r>
             <a:endParaRPr lang="en-US" dirty="0"/>
@@ -2084,7 +2090,7 @@
           <a:p>
             <a:pPr lvl="0"/>
             <a:r>
-              <a:rPr lang="en-US" smtClean="0"/>
+              <a:rPr lang="en-US"/>
               <a:t>Click to edit Master text styles</a:t>
             </a:r>
           </a:p>
@@ -2124,10 +2130,9 @@
           </a:lstStyle>
           <a:p>
             <a:r>
-              <a:rPr lang="en-US" dirty="0" smtClean="0"/>
+              <a:rPr lang="en-US" dirty="0"/>
               <a:t>©Concentrated Technology</a:t>
             </a:r>
-            <a:endParaRPr lang="en-US" dirty="0"/>
           </a:p>
         </p:txBody>
       </p:sp>
@@ -2233,7 +2238,7 @@
           <a:lstStyle/>
           <a:p>
             <a:r>
-              <a:rPr lang="en-US" smtClean="0"/>
+              <a:rPr lang="en-US"/>
               <a:t>Click to edit Master title style</a:t>
             </a:r>
             <a:endParaRPr lang="en-US" dirty="0"/>
@@ -2267,35 +2272,35 @@
           <a:p>
             <a:pPr lvl="0"/>
             <a:r>
-              <a:rPr lang="en-US" smtClean="0"/>
+              <a:rPr lang="en-US"/>
               <a:t>Click to edit Master text styles</a:t>
             </a:r>
           </a:p>
           <a:p>
             <a:pPr lvl="1"/>
             <a:r>
-              <a:rPr lang="en-US" smtClean="0"/>
+              <a:rPr lang="en-US"/>
               <a:t>Second level</a:t>
             </a:r>
           </a:p>
           <a:p>
             <a:pPr lvl="2"/>
             <a:r>
-              <a:rPr lang="en-US" smtClean="0"/>
+              <a:rPr lang="en-US"/>
               <a:t>Third level</a:t>
             </a:r>
           </a:p>
           <a:p>
             <a:pPr lvl="3"/>
             <a:r>
-              <a:rPr lang="en-US" smtClean="0"/>
+              <a:rPr lang="en-US"/>
               <a:t>Fourth level</a:t>
             </a:r>
           </a:p>
           <a:p>
             <a:pPr lvl="4"/>
             <a:r>
-              <a:rPr lang="en-US" smtClean="0"/>
+              <a:rPr lang="en-US"/>
               <a:t>Fifth level</a:t>
             </a:r>
             <a:endParaRPr lang="en-US" dirty="0"/>
@@ -2382,10 +2387,9 @@
           </a:lstStyle>
           <a:p>
             <a:r>
-              <a:rPr lang="en-US" dirty="0" smtClean="0"/>
+              <a:rPr lang="en-US" dirty="0"/>
               <a:t>©Concentrated Technology</a:t>
             </a:r>
-            <a:endParaRPr lang="en-US" dirty="0"/>
           </a:p>
         </p:txBody>
       </p:sp>
@@ -2725,10 +2729,9 @@
           <a:lstStyle/>
           <a:p>
             <a:r>
-              <a:rPr lang="en-US" dirty="0" smtClean="0"/>
+              <a:rPr lang="en-US" dirty="0"/>
               <a:t>Script and Manifest Modules</a:t>
             </a:r>
-            <a:endParaRPr lang="en-US" dirty="0"/>
           </a:p>
         </p:txBody>
       </p:sp>
@@ -2753,10 +2756,9 @@
           <a:lstStyle/>
           <a:p>
             <a:r>
-              <a:rPr lang="en-US" dirty="0" smtClean="0"/>
+              <a:rPr lang="en-US" dirty="0"/>
               <a:t>Module 03</a:t>
             </a:r>
-            <a:endParaRPr lang="en-US" dirty="0"/>
           </a:p>
         </p:txBody>
       </p:sp>
@@ -2806,10 +2808,9 @@
           <a:lstStyle/>
           <a:p>
             <a:r>
-              <a:rPr lang="en-US" dirty="0" smtClean="0"/>
+              <a:rPr lang="en-US" dirty="0"/>
               <a:t>Creating a Manifest Module</a:t>
             </a:r>
-            <a:endParaRPr lang="en-US" dirty="0"/>
           </a:p>
         </p:txBody>
       </p:sp>
@@ -2829,10 +2830,9 @@
           <a:lstStyle/>
           <a:p>
             <a:r>
-              <a:rPr lang="en-US" dirty="0" smtClean="0"/>
+              <a:rPr lang="en-US" dirty="0"/>
               <a:t>Lesson 1</a:t>
             </a:r>
-            <a:endParaRPr lang="en-US" dirty="0"/>
           </a:p>
         </p:txBody>
       </p:sp>
@@ -2882,10 +2882,9 @@
           <a:lstStyle/>
           <a:p>
             <a:r>
-              <a:rPr lang="en-US" dirty="0" smtClean="0"/>
+              <a:rPr lang="en-US" dirty="0"/>
               <a:t>Module location</a:t>
             </a:r>
-            <a:endParaRPr lang="en-US" dirty="0"/>
           </a:p>
         </p:txBody>
       </p:sp>
@@ -2915,7 +2914,6 @@
               <a:rPr lang="en-US" dirty="0"/>
               <a:t>In order for PowerShell to fully utilize them, modules must live in a specific location. </a:t>
             </a:r>
-            <a:endParaRPr lang="en-US" dirty="0" smtClean="0"/>
           </a:p>
           <a:p>
             <a:r>
@@ -3015,10 +3013,9 @@
           <a:lstStyle/>
           <a:p>
             <a:r>
-              <a:rPr lang="en-US" dirty="0" smtClean="0"/>
+              <a:rPr lang="en-US" dirty="0"/>
               <a:t>Module name</a:t>
             </a:r>
-            <a:endParaRPr lang="en-US" dirty="0"/>
           </a:p>
         </p:txBody>
       </p:sp>
@@ -3041,33 +3038,24 @@
               <a:rPr lang="en-US" dirty="0"/>
               <a:t>Module names should consist of letters, numbers, and underscores, although Microsoft-provided modules tend to be named only with letters. </a:t>
             </a:r>
-            <a:endParaRPr lang="en-US" dirty="0" smtClean="0"/>
           </a:p>
           <a:p>
             <a:r>
               <a:rPr lang="en-US" dirty="0"/>
-              <a:t>Don’t use module names that contain </a:t>
-            </a:r>
-            <a:r>
-              <a:rPr lang="en-US" dirty="0" smtClean="0"/>
-              <a:t>spaces.</a:t>
-            </a:r>
-          </a:p>
-          <a:p>
-            <a:r>
-              <a:rPr lang="en-US" dirty="0" smtClean="0"/>
-              <a:t> </a:t>
-            </a:r>
+              <a:t>Don’t use module names that contain spaces.</a:t>
+            </a:r>
+          </a:p>
+          <a:p>
             <a:r>
               <a:rPr lang="en-US" dirty="0"/>
-              <a:t>The folder must be created in one of the paths listed in </a:t>
-            </a:r>
-            <a:r>
-              <a:rPr lang="en-US" dirty="0" err="1" smtClean="0"/>
+              <a:t> The folder must be created in one of the paths listed in </a:t>
+            </a:r>
+            <a:r>
+              <a:rPr lang="en-US" dirty="0" err="1"/>
               <a:t>PSModulePath</a:t>
             </a:r>
             <a:r>
-              <a:rPr lang="en-US" dirty="0" smtClean="0"/>
+              <a:rPr lang="en-US" dirty="0"/>
               <a:t>.</a:t>
             </a:r>
           </a:p>
@@ -3122,10 +3110,9 @@
           <a:lstStyle/>
           <a:p>
             <a:r>
-              <a:rPr lang="en-US" dirty="0" smtClean="0"/>
+              <a:rPr lang="en-US" dirty="0"/>
               <a:t>Module contents</a:t>
             </a:r>
-            <a:endParaRPr lang="en-US" dirty="0"/>
           </a:p>
         </p:txBody>
       </p:sp>
@@ -3148,35 +3135,14 @@
           <a:p>
             <a:r>
               <a:rPr lang="en-US" dirty="0"/>
-              <a:t>When you run Import-Module, or when PowerShell attempts to automatically load a </a:t>
-            </a:r>
-            <a:r>
-              <a:rPr lang="en-US" dirty="0" smtClean="0"/>
-              <a:t>module, </a:t>
-            </a:r>
+              <a:t>When you run Import-Module, or when PowerShell attempts to automatically load a module, the shell looks in your module folder for one of these items:</a:t>
+            </a:r>
+          </a:p>
+          <a:p>
+            <a:pPr lvl="1"/>
             <a:r>
               <a:rPr lang="en-US" dirty="0"/>
-              <a:t>the shell looks in your module folder for one of these </a:t>
-            </a:r>
-            <a:r>
-              <a:rPr lang="en-US" dirty="0" smtClean="0"/>
-              <a:t>items:</a:t>
-            </a:r>
-            <a:endParaRPr lang="en-US" dirty="0"/>
-          </a:p>
-          <a:p>
-            <a:pPr lvl="1"/>
-            <a:r>
-              <a:rPr lang="en-US" dirty="0"/>
-              <a:t>A module manifest, </a:t>
-            </a:r>
-            <a:r>
-              <a:rPr lang="en-US" dirty="0" smtClean="0"/>
-              <a:t>such as MOLTools.psd1</a:t>
-            </a:r>
-            <a:r>
-              <a:rPr lang="en-US" dirty="0"/>
-              <a:t>. Note that the filename must match the name of the module’s folder, </a:t>
+              <a:t>A module manifest, such as MOLTools.psd1. Note that the filename must match the name of the module’s folder, </a:t>
             </a:r>
             <a:r>
               <a:rPr lang="en-US" dirty="0" err="1"/>
@@ -3199,38 +3165,18 @@
             </a:r>
             <a:r>
               <a:rPr lang="en-US" dirty="0"/>
-              <a:t>, if we were using a compiled </a:t>
-            </a:r>
-            <a:r>
-              <a:rPr lang="en-US" dirty="0" smtClean="0"/>
-              <a:t>binary</a:t>
-            </a:r>
+              <a:t>, if we were using a compiled binary.</a:t>
+            </a:r>
+          </a:p>
+          <a:p>
+            <a:pPr lvl="1"/>
             <a:r>
               <a:rPr lang="en-US" dirty="0"/>
-              <a:t>.</a:t>
-            </a:r>
-          </a:p>
-          <a:p>
-            <a:pPr lvl="1"/>
-            <a:r>
-              <a:rPr lang="en-US" dirty="0"/>
-              <a:t>A script module, </a:t>
-            </a:r>
-            <a:r>
-              <a:rPr lang="en-US" dirty="0" smtClean="0"/>
-              <a:t>such asMOLTools.psm1. </a:t>
+              <a:t>A script module, such asMOLTools.psm1. </a:t>
             </a:r>
             <a:r>
               <a:rPr lang="en-US" b="1" dirty="0"/>
-              <a:t>T</a:t>
-            </a:r>
-            <a:r>
-              <a:rPr lang="en-US" b="1" dirty="0" smtClean="0"/>
-              <a:t>he </a:t>
-            </a:r>
-            <a:r>
-              <a:rPr lang="en-US" b="1" dirty="0"/>
-              <a:t>filename must be the complete module name, exactly as the module’s folder is named, plus the .psm1 filename extension.</a:t>
+              <a:t>The filename must be the complete module name, exactly as the module’s folder is named, plus the .psm1 filename extension.</a:t>
             </a:r>
           </a:p>
           <a:p>
@@ -3284,10 +3230,9 @@
           <a:lstStyle/>
           <a:p>
             <a:r>
-              <a:rPr lang="en-US" dirty="0" smtClean="0"/>
+              <a:rPr lang="en-US" dirty="0"/>
               <a:t>Creating a module manifest</a:t>
             </a:r>
-            <a:endParaRPr lang="en-US" dirty="0"/>
           </a:p>
         </p:txBody>
       </p:sp>
@@ -3314,12 +3259,8 @@
           <a:lstStyle/>
           <a:p>
             <a:r>
-              <a:rPr lang="en-US" dirty="0" smtClean="0"/>
-              <a:t>Create a module manifest using </a:t>
-            </a:r>
-            <a:r>
               <a:rPr lang="en-US" dirty="0"/>
-              <a:t>New-</a:t>
+              <a:t>Create a module manifest using New-</a:t>
             </a:r>
             <a:r>
               <a:rPr lang="en-US" dirty="0" err="1"/>
@@ -3419,10 +3360,9 @@
           <a:p>
             <a:pPr algn="ctr"/>
             <a:r>
-              <a:rPr lang="en-US" dirty="0" smtClean="0"/>
+              <a:rPr lang="en-US" dirty="0"/>
               <a:t>Lab A</a:t>
             </a:r>
-            <a:endParaRPr lang="en-US" dirty="0"/>
           </a:p>
         </p:txBody>
       </p:sp>
@@ -3468,7 +3408,7 @@
           <a:p>
             <a:pPr algn="ctr"/>
             <a:r>
-              <a:rPr lang="en-US" dirty="0" smtClean="0"/>
+              <a:rPr lang="en-US" dirty="0"/>
               <a:t>30 Minutes</a:t>
             </a:r>
           </a:p>
@@ -3479,21 +3419,21 @@
           <a:p>
             <a:pPr algn="ctr"/>
             <a:r>
-              <a:rPr lang="en-US" b="1" dirty="0" smtClean="0"/>
+              <a:rPr lang="en-US" b="1" dirty="0"/>
               <a:t>CLIENT</a:t>
             </a:r>
           </a:p>
           <a:p>
             <a:pPr algn="ctr"/>
             <a:r>
-              <a:rPr lang="en-US" b="1" dirty="0" smtClean="0"/>
+              <a:rPr lang="en-US" b="1" dirty="0"/>
               <a:t>MEMBER</a:t>
             </a:r>
           </a:p>
           <a:p>
             <a:pPr algn="ctr"/>
             <a:r>
-              <a:rPr lang="en-US" b="1" dirty="0" smtClean="0"/>
+              <a:rPr lang="en-US" b="1" dirty="0"/>
               <a:t>DC</a:t>
             </a:r>
           </a:p>
@@ -3504,17 +3444,16 @@
           <a:p>
             <a:pPr algn="ctr"/>
             <a:r>
-              <a:rPr lang="en-US" b="1" dirty="0" smtClean="0"/>
+              <a:rPr lang="en-US" b="1" dirty="0"/>
               <a:t>Administrator</a:t>
             </a:r>
             <a:br>
-              <a:rPr lang="en-US" b="1" dirty="0" smtClean="0"/>
+              <a:rPr lang="en-US" b="1" dirty="0"/>
             </a:br>
             <a:r>
-              <a:rPr lang="en-US" b="1" dirty="0" smtClean="0"/>
+              <a:rPr lang="en-US" b="1" dirty="0"/>
               <a:t>P@ssw0rd</a:t>
             </a:r>
-            <a:endParaRPr lang="en-US" b="1" dirty="0"/>
           </a:p>
         </p:txBody>
       </p:sp>
@@ -3594,10 +3533,9 @@
           <a:lstStyle/>
           <a:p>
             <a:r>
-              <a:rPr lang="en-US" dirty="0" smtClean="0"/>
+              <a:rPr lang="en-US" dirty="0"/>
               <a:t>Conclusion</a:t>
             </a:r>
-            <a:endParaRPr lang="en-US" dirty="0"/>
           </a:p>
         </p:txBody>
       </p:sp>
@@ -3618,21 +3556,13 @@
           <a:p>
             <a:r>
               <a:rPr lang="en-US" dirty="0"/>
-              <a:t>You’ve turned your script into a manifest module, which will provide us with the framework for expansion, easier testing, and packaged distribution</a:t>
-            </a:r>
-            <a:r>
-              <a:rPr lang="en-US" dirty="0" smtClean="0"/>
-              <a:t>.</a:t>
-            </a:r>
-          </a:p>
-          <a:p>
-            <a:r>
-              <a:rPr lang="en-US" dirty="0" smtClean="0"/>
-              <a:t> </a:t>
-            </a:r>
+              <a:t>You’ve turned your script into a manifest module, which will provide us with the framework for expansion, easier testing, and packaged distribution.</a:t>
+            </a:r>
+          </a:p>
+          <a:p>
             <a:r>
               <a:rPr lang="en-US" dirty="0"/>
-              <a:t>Next, you’ll begin working with error handling.</a:t>
+              <a:t> Next, you’ll begin working with error handling.</a:t>
             </a:r>
           </a:p>
           <a:p>

--- a/Powerpoint/Module03-ScriptAndManifestModules.pptx
+++ b/Powerpoint/Module03-ScriptAndManifestModules.pptx
@@ -3048,7 +3048,7 @@
           <a:p>
             <a:r>
               <a:rPr lang="en-US" dirty="0"/>
-              <a:t> The folder must be created in one of the paths listed in </a:t>
+              <a:t>The folder must be created in one of the paths listed in </a:t>
             </a:r>
             <a:r>
               <a:rPr lang="en-US" dirty="0" err="1"/>
@@ -3142,11 +3142,11 @@
             <a:pPr lvl="1"/>
             <a:r>
               <a:rPr lang="en-US" dirty="0"/>
-              <a:t>A module manifest, such as MOLTools.psd1. Note that the filename must match the name of the module’s folder, </a:t>
+              <a:t>A module manifest, such as MyTools.psd1. Note that the filename must match the name of the module’s folder, </a:t>
             </a:r>
             <a:r>
               <a:rPr lang="en-US" dirty="0" err="1"/>
-              <a:t>MOLTools</a:t>
+              <a:t>MyTools</a:t>
             </a:r>
             <a:r>
               <a:rPr lang="en-US" dirty="0"/>
@@ -3157,26 +3157,43 @@
             <a:pPr lvl="1"/>
             <a:r>
               <a:rPr lang="en-US" dirty="0"/>
-              <a:t>A binary module, which in our example would be </a:t>
-            </a:r>
-            <a:r>
-              <a:rPr lang="en-US" dirty="0" err="1"/>
-              <a:t>MOLTools.dll</a:t>
-            </a:r>
+              <a:t>A binary module, which in our example would be MyTools.dll, if we were using a compiled binary.</a:t>
+            </a:r>
+          </a:p>
+          <a:p>
+            <a:pPr lvl="1"/>
             <a:r>
               <a:rPr lang="en-US" dirty="0"/>
-              <a:t>, if we were using a compiled binary.</a:t>
-            </a:r>
-          </a:p>
-          <a:p>
-            <a:pPr lvl="1"/>
-            <a:r>
-              <a:rPr lang="en-US" dirty="0"/>
-              <a:t>A script module, such asMOLTools.psm1. </a:t>
+              <a:t>A script module, such as MyTools.psm1. </a:t>
             </a:r>
             <a:r>
               <a:rPr lang="en-US" b="1" dirty="0"/>
               <a:t>The filename must be the complete module name, exactly as the module’s folder is named, plus the .psm1 filename extension.</a:t>
+            </a:r>
+          </a:p>
+          <a:p>
+            <a:pPr lvl="1"/>
+            <a:endParaRPr lang="en-US" b="1" dirty="0"/>
+          </a:p>
+          <a:p>
+            <a:r>
+              <a:rPr lang="en-US" sz="1800" i="1" dirty="0"/>
+              <a:t>Note: References to “MOL” or “</a:t>
+            </a:r>
+            <a:r>
+              <a:rPr lang="en-US" sz="1800" i="1" dirty="0" err="1"/>
+              <a:t>MolTools</a:t>
+            </a:r>
+            <a:r>
+              <a:rPr lang="en-US" sz="1800" i="1" dirty="0"/>
+              <a:t>” are leftovers </a:t>
+            </a:r>
+            <a:br>
+              <a:rPr lang="en-US" sz="1800" i="1" dirty="0"/>
+            </a:br>
+            <a:r>
+              <a:rPr lang="en-US" sz="1800" i="1" dirty="0"/>
+              <a:t>from the original course name “Month of Lunches”</a:t>
             </a:r>
           </a:p>
           <a:p>
@@ -3562,7 +3579,7 @@
           <a:p>
             <a:r>
               <a:rPr lang="en-US" dirty="0"/>
-              <a:t> Next, you’ll begin working with error handling.</a:t>
+              <a:t>Next, you’ll begin working with error handling.</a:t>
             </a:r>
           </a:p>
           <a:p>
